--- a/01_WorkInProgress/01_PréProd/intention.pptx
+++ b/01_WorkInProgress/01_PréProd/intention.pptx
@@ -832,7 +832,7 @@
           <a:p>
             <a:fld id="{328E397A-6140-4675-A13A-3697C262D928}" type="datetimeFigureOut">
               <a:rPr lang="fr-FR" smtClean="0"/>
-              <a:t>09/01/2025</a:t>
+              <a:t>27/01/2025</a:t>
             </a:fld>
             <a:endParaRPr lang="fr-FR"/>
           </a:p>
@@ -1246,7 +1246,7 @@
           <a:p>
             <a:fld id="{FE90BDB7-AC3D-4A16-9F85-11D1161EAEF9}" type="datetimeFigureOut">
               <a:rPr lang="fr-FR" smtClean="0"/>
-              <a:t>09/01/2025</a:t>
+              <a:t>27/01/2025</a:t>
             </a:fld>
             <a:endParaRPr lang="fr-FR"/>
           </a:p>
@@ -1444,7 +1444,7 @@
           <a:p>
             <a:fld id="{FE90BDB7-AC3D-4A16-9F85-11D1161EAEF9}" type="datetimeFigureOut">
               <a:rPr lang="fr-FR" smtClean="0"/>
-              <a:t>09/01/2025</a:t>
+              <a:t>27/01/2025</a:t>
             </a:fld>
             <a:endParaRPr lang="fr-FR"/>
           </a:p>
@@ -1652,7 +1652,7 @@
           <a:p>
             <a:fld id="{FE90BDB7-AC3D-4A16-9F85-11D1161EAEF9}" type="datetimeFigureOut">
               <a:rPr lang="fr-FR" smtClean="0"/>
-              <a:t>09/01/2025</a:t>
+              <a:t>27/01/2025</a:t>
             </a:fld>
             <a:endParaRPr lang="fr-FR"/>
           </a:p>
@@ -1850,7 +1850,7 @@
           <a:p>
             <a:fld id="{FE90BDB7-AC3D-4A16-9F85-11D1161EAEF9}" type="datetimeFigureOut">
               <a:rPr lang="fr-FR" smtClean="0"/>
-              <a:t>09/01/2025</a:t>
+              <a:t>27/01/2025</a:t>
             </a:fld>
             <a:endParaRPr lang="fr-FR"/>
           </a:p>
@@ -2125,7 +2125,7 @@
           <a:p>
             <a:fld id="{FE90BDB7-AC3D-4A16-9F85-11D1161EAEF9}" type="datetimeFigureOut">
               <a:rPr lang="fr-FR" smtClean="0"/>
-              <a:t>09/01/2025</a:t>
+              <a:t>27/01/2025</a:t>
             </a:fld>
             <a:endParaRPr lang="fr-FR"/>
           </a:p>
@@ -2390,7 +2390,7 @@
           <a:p>
             <a:fld id="{FE90BDB7-AC3D-4A16-9F85-11D1161EAEF9}" type="datetimeFigureOut">
               <a:rPr lang="fr-FR" smtClean="0"/>
-              <a:t>09/01/2025</a:t>
+              <a:t>27/01/2025</a:t>
             </a:fld>
             <a:endParaRPr lang="fr-FR"/>
           </a:p>
@@ -2802,7 +2802,7 @@
           <a:p>
             <a:fld id="{FE90BDB7-AC3D-4A16-9F85-11D1161EAEF9}" type="datetimeFigureOut">
               <a:rPr lang="fr-FR" smtClean="0"/>
-              <a:t>09/01/2025</a:t>
+              <a:t>27/01/2025</a:t>
             </a:fld>
             <a:endParaRPr lang="fr-FR"/>
           </a:p>
@@ -2943,7 +2943,7 @@
           <a:p>
             <a:fld id="{FE90BDB7-AC3D-4A16-9F85-11D1161EAEF9}" type="datetimeFigureOut">
               <a:rPr lang="fr-FR" smtClean="0"/>
-              <a:t>09/01/2025</a:t>
+              <a:t>27/01/2025</a:t>
             </a:fld>
             <a:endParaRPr lang="fr-FR"/>
           </a:p>
@@ -3056,7 +3056,7 @@
           <a:p>
             <a:fld id="{FE90BDB7-AC3D-4A16-9F85-11D1161EAEF9}" type="datetimeFigureOut">
               <a:rPr lang="fr-FR" smtClean="0"/>
-              <a:t>09/01/2025</a:t>
+              <a:t>27/01/2025</a:t>
             </a:fld>
             <a:endParaRPr lang="fr-FR"/>
           </a:p>
@@ -3367,7 +3367,7 @@
           <a:p>
             <a:fld id="{FE90BDB7-AC3D-4A16-9F85-11D1161EAEF9}" type="datetimeFigureOut">
               <a:rPr lang="fr-FR" smtClean="0"/>
-              <a:t>09/01/2025</a:t>
+              <a:t>27/01/2025</a:t>
             </a:fld>
             <a:endParaRPr lang="fr-FR"/>
           </a:p>
@@ -3655,7 +3655,7 @@
           <a:p>
             <a:fld id="{FE90BDB7-AC3D-4A16-9F85-11D1161EAEF9}" type="datetimeFigureOut">
               <a:rPr lang="fr-FR" smtClean="0"/>
-              <a:t>09/01/2025</a:t>
+              <a:t>27/01/2025</a:t>
             </a:fld>
             <a:endParaRPr lang="fr-FR"/>
           </a:p>
@@ -3896,7 +3896,7 @@
           <a:p>
             <a:fld id="{FE90BDB7-AC3D-4A16-9F85-11D1161EAEF9}" type="datetimeFigureOut">
               <a:rPr lang="fr-FR" smtClean="0"/>
-              <a:t>09/01/2025</a:t>
+              <a:t>27/01/2025</a:t>
             </a:fld>
             <a:endParaRPr lang="fr-FR"/>
           </a:p>
@@ -4374,8 +4374,8 @@
         </p:nvSpPr>
         <p:spPr>
           <a:xfrm>
-            <a:off x="675014" y="474345"/>
-            <a:ext cx="10450186" cy="6186309"/>
+            <a:off x="685174" y="197346"/>
+            <a:ext cx="10450186" cy="6463308"/>
           </a:xfrm>
           <a:prstGeom prst="rect">
             <a:avLst/>
@@ -4395,46 +4395,125 @@
           </a:p>
           <a:p>
             <a:r>
+              <a:rPr lang="fr-FR" dirty="0" err="1"/>
+              <a:t>xFiche</a:t>
+            </a:r>
+            <a:r>
               <a:rPr lang="fr-FR" dirty="0"/>
-              <a:t>Fiche technique (+ lien court-métrage)</a:t>
-            </a:r>
-          </a:p>
-          <a:p>
+              <a:t> technique (+ lien court-métrage)</a:t>
+            </a:r>
+          </a:p>
+          <a:p>
+            <a:r>
+              <a:rPr lang="fr-FR" dirty="0" err="1"/>
+              <a:t>xPitch</a:t>
+            </a:r>
+            <a:endParaRPr lang="fr-FR" dirty="0"/>
+          </a:p>
+          <a:p>
+            <a:r>
+              <a:rPr lang="fr-FR" dirty="0" err="1"/>
+              <a:t>xSynopsis</a:t>
+            </a:r>
+            <a:endParaRPr lang="fr-FR" dirty="0"/>
+          </a:p>
+          <a:p>
+            <a:r>
+              <a:rPr lang="fr-FR" dirty="0" err="1"/>
+              <a:t>xScenario</a:t>
+            </a:r>
             <a:r>
               <a:rPr lang="fr-FR" dirty="0"/>
-              <a:t>Pitch</a:t>
-            </a:r>
-          </a:p>
-          <a:p>
+              <a:t>(=script)</a:t>
+            </a:r>
+          </a:p>
+          <a:p>
+            <a:r>
+              <a:rPr lang="fr-FR" dirty="0" err="1"/>
+              <a:t>xNote</a:t>
+            </a:r>
             <a:r>
               <a:rPr lang="fr-FR" dirty="0"/>
-              <a:t>Synopsis</a:t>
-            </a:r>
-          </a:p>
-          <a:p>
+              <a:t> d’intention</a:t>
+            </a:r>
+          </a:p>
+          <a:p>
+            <a:r>
+              <a:rPr lang="fr-FR" dirty="0" err="1"/>
+              <a:t>xContexte</a:t>
+            </a:r>
             <a:r>
               <a:rPr lang="fr-FR" dirty="0"/>
-              <a:t>Scenario(=script)</a:t>
-            </a:r>
-          </a:p>
-          <a:p>
+              <a:t> géographique, historique</a:t>
+            </a:r>
+          </a:p>
+          <a:p>
+            <a:r>
+              <a:rPr lang="fr-FR" dirty="0" err="1"/>
+              <a:t>xMoodboard</a:t>
+            </a:r>
+            <a:endParaRPr lang="fr-FR" dirty="0"/>
+          </a:p>
+          <a:p>
+            <a:r>
+              <a:rPr lang="fr-FR" dirty="0" err="1"/>
+              <a:t>xChara</a:t>
+            </a:r>
             <a:r>
               <a:rPr lang="fr-FR" dirty="0"/>
-              <a:t>Note d’intention</a:t>
-            </a:r>
-          </a:p>
-          <a:p>
+              <a:t> Design (+ </a:t>
+            </a:r>
+            <a:r>
+              <a:rPr lang="fr-FR" dirty="0" err="1"/>
+              <a:t>Turnaround</a:t>
+            </a:r>
             <a:r>
               <a:rPr lang="fr-FR" dirty="0"/>
-              <a:t>Contexte géographique, historique</a:t>
-            </a:r>
-          </a:p>
-          <a:p>
+              <a:t>)</a:t>
+            </a:r>
+          </a:p>
+          <a:p>
+            <a:r>
+              <a:rPr lang="fr-FR" dirty="0"/>
+              <a:t>Concept arts</a:t>
+            </a:r>
+          </a:p>
+          <a:p>
+            <a:r>
+              <a:rPr lang="fr-FR" dirty="0"/>
+              <a:t>Light script &amp; </a:t>
+            </a:r>
             <a:r>
               <a:rPr lang="fr-FR" dirty="0" err="1"/>
-              <a:t>Moodboard</a:t>
+              <a:t>Color</a:t>
+            </a:r>
+            <a:r>
+              <a:rPr lang="fr-FR" dirty="0"/>
+              <a:t> script</a:t>
+            </a:r>
+          </a:p>
+          <a:p>
+            <a:r>
+              <a:rPr lang="fr-FR" dirty="0"/>
+              <a:t>Storyboard (codification technique+ lien animatique)</a:t>
+            </a:r>
+          </a:p>
+          <a:p>
+            <a:r>
+              <a:rPr lang="fr-FR" dirty="0"/>
+              <a:t>Repérages/</a:t>
+            </a:r>
+            <a:r>
+              <a:rPr lang="fr-FR" dirty="0" err="1"/>
+              <a:t>Layout</a:t>
             </a:r>
             <a:endParaRPr lang="fr-FR" dirty="0"/>
+          </a:p>
+          <a:p>
+            <a:r>
+              <a:rPr lang="fr-FR" dirty="0"/>
+              <a:t>Découpage technique</a:t>
+            </a:r>
           </a:p>
           <a:p>
             <a:r>
@@ -4449,61 +4528,7 @@
             </a:r>
           </a:p>
           <a:p>
-            <a:r>
-              <a:rPr lang="fr-FR" dirty="0"/>
-              <a:t>Chara Design (+ </a:t>
-            </a:r>
-            <a:r>
-              <a:rPr lang="fr-FR" dirty="0" err="1"/>
-              <a:t>Turnaround</a:t>
-            </a:r>
-            <a:r>
-              <a:rPr lang="fr-FR" dirty="0"/>
-              <a:t>)</a:t>
-            </a:r>
-          </a:p>
-          <a:p>
-            <a:r>
-              <a:rPr lang="fr-FR" dirty="0"/>
-              <a:t>Concept arts</a:t>
-            </a:r>
-          </a:p>
-          <a:p>
-            <a:r>
-              <a:rPr lang="fr-FR" dirty="0"/>
-              <a:t>Light script &amp; </a:t>
-            </a:r>
-            <a:r>
-              <a:rPr lang="fr-FR" dirty="0" err="1"/>
-              <a:t>Color</a:t>
-            </a:r>
-            <a:r>
-              <a:rPr lang="fr-FR" dirty="0"/>
-              <a:t> script</a:t>
-            </a:r>
-          </a:p>
-          <a:p>
-            <a:r>
-              <a:rPr lang="fr-FR" dirty="0"/>
-              <a:t>Storyboard (codification technique+ lien animatique)</a:t>
-            </a:r>
-          </a:p>
-          <a:p>
-            <a:r>
-              <a:rPr lang="fr-FR" dirty="0"/>
-              <a:t>Repérages/</a:t>
-            </a:r>
-            <a:r>
-              <a:rPr lang="fr-FR" dirty="0" err="1"/>
-              <a:t>Layout</a:t>
-            </a:r>
             <a:endParaRPr lang="fr-FR" dirty="0"/>
-          </a:p>
-          <a:p>
-            <a:r>
-              <a:rPr lang="fr-FR" dirty="0"/>
-              <a:t>Découpage technique</a:t>
-            </a:r>
           </a:p>
           <a:p>
             <a:r>
@@ -4512,11 +4537,27 @@
             </a:r>
             <a:r>
               <a:rPr lang="fr-FR" dirty="0" err="1"/>
+              <a:t>retopo</a:t>
+            </a:r>
+            <a:r>
+              <a:rPr lang="fr-FR" dirty="0"/>
+              <a:t>, </a:t>
+            </a:r>
+            <a:r>
+              <a:rPr lang="fr-FR" dirty="0" err="1"/>
               <a:t>texturing</a:t>
             </a:r>
             <a:r>
               <a:rPr lang="fr-FR" dirty="0"/>
               <a:t>, rigging, </a:t>
+            </a:r>
+            <a:r>
+              <a:rPr lang="fr-FR" dirty="0" err="1"/>
+              <a:t>skinning</a:t>
+            </a:r>
+            <a:r>
+              <a:rPr lang="fr-FR" dirty="0"/>
+              <a:t>, </a:t>
             </a:r>
             <a:r>
               <a:rPr lang="fr-FR" dirty="0" err="1"/>
@@ -5036,7 +5077,7 @@
         <p:spPr>
           <a:xfrm>
             <a:off x="492760" y="1262291"/>
-            <a:ext cx="11206480" cy="1200329"/>
+            <a:ext cx="11206480" cy="2554545"/>
           </a:xfrm>
           <a:prstGeom prst="rect">
             <a:avLst/>
@@ -5047,46 +5088,39 @@
           <a:bodyPr wrap="square" rtlCol="0">
             <a:spAutoFit/>
           </a:bodyPr>
-          <a:lstStyle/>
+          <a:lstStyle>
+            <a:defPPr>
+              <a:defRPr lang="fr-FR"/>
+            </a:defPPr>
+            <a:lvl1pPr algn="just">
+              <a:defRPr sz="1600"/>
+            </a:lvl1pPr>
+          </a:lstStyle>
           <a:p>
             <a:r>
               <a:rPr lang="fr-FR" dirty="0"/>
-              <a:t>Deux sœurs, Celia et Alice, âgées respectivement de 9 et 4 ans vivent avec leurs parents dans le village de </a:t>
-            </a:r>
-            <a:r>
-              <a:rPr lang="fr-FR" dirty="0">
-                <a:solidFill>
-                  <a:srgbClr val="FF0000"/>
-                </a:solidFill>
-              </a:rPr>
-              <a:t>XXX</a:t>
-            </a:r>
+              <a:t>Deux sœurs, Celia et Alice, âgées respectivement de 9 et 4 ans vivent avec leurs parents dans le village de XXX situé sur l’île de XXX. Leur père est charpentier et leur mère apothicaire et sont souvent occupés par leur travail. Les deux filles passent donc beaucoup de temps avec leur grand-mère Clotilde.</a:t>
+            </a:r>
+          </a:p>
+          <a:p>
             <a:r>
               <a:rPr lang="fr-FR" dirty="0"/>
-              <a:t> situé sur l’île de </a:t>
-            </a:r>
-            <a:r>
-              <a:rPr lang="fr-FR" dirty="0">
-                <a:solidFill>
-                  <a:srgbClr val="FF0000"/>
-                </a:solidFill>
-              </a:rPr>
-              <a:t>XXX</a:t>
-            </a:r>
+              <a:t>Alors qu’elle est venue garder les filles un soir chez elles, Clotilde se retrouve seule et pensive devant la cheminée. On peut apercevoir une boite en bois gravée posée sur le bord de la cheminée.</a:t>
+            </a:r>
+          </a:p>
+          <a:p>
             <a:r>
               <a:rPr lang="fr-FR" dirty="0"/>
-              <a:t>. Leur père étant charpentier et leur mère apothicaire, les deux filles sont souvent gardées après l’école par leur grand-mère, Clotilde.</a:t>
+              <a:t>Celia, qui était à l’étage, a entendu sa grand-mère et accourt pour lui faire un câlin. Clotilde en profite alors pour récupérer la boite et la donner à Celia. Voyant le regard interrogateur de Celia, Clotilde lui fait signe de garder cela secret. </a:t>
             </a:r>
           </a:p>
           <a:p>
             <a:r>
               <a:rPr lang="fr-FR" dirty="0"/>
-              <a:t>C’est lors de l’une de ces soirées que l’on retrouve Clotilde. Elle contemple la </a:t>
-            </a:r>
-            <a:r>
-              <a:rPr lang="fr-FR" dirty="0" err="1"/>
-              <a:t>chemonée</a:t>
-            </a:r>
+              <a:t>Alors qu’un bruit se fait entendre près de porte, annonçant surement que quelqu’un est sur le point de rentrer, Clotilde fait signe à Celia de remonter dans sa chambre.</a:t>
+            </a:r>
+          </a:p>
+          <a:p>
             <a:endParaRPr lang="fr-FR" dirty="0"/>
           </a:p>
         </p:txBody>
@@ -5495,8 +5529,8 @@
         </p:nvSpPr>
         <p:spPr>
           <a:xfrm>
-            <a:off x="548639" y="1510288"/>
-            <a:ext cx="10876105" cy="4585871"/>
+            <a:off x="548640" y="1307088"/>
+            <a:ext cx="10876105" cy="5324535"/>
           </a:xfrm>
           <a:prstGeom prst="rect">
             <a:avLst/>
@@ -5528,15 +5562,7 @@
             </a:r>
             <a:r>
               <a:rPr lang="fr-FR" sz="1600" dirty="0"/>
-              <a:t> dans un univers héroïque-fantaisie, qui se retrouvent au cœur d'une destinée qui les dépasse et dans laquelle leur lien familial serait autant un atout qu'une faiblesse. Le choix du genre </a:t>
-            </a:r>
-            <a:r>
-              <a:rPr lang="fr-FR" sz="1600" dirty="0" err="1"/>
-              <a:t>héroique</a:t>
-            </a:r>
-            <a:r>
-              <a:rPr lang="fr-FR" sz="1600" dirty="0"/>
-              <a:t>-fantaisie a été motivé par toutes mes lectures et films préférés : Le Seigneur des Anneaux, Les Chroniques de </a:t>
+              <a:t> dans un univers héroïque-fantaisie, qui se retrouvent au cœur d'une destinée qui les dépasse et dans laquelle leur lien familial serait autant un atout qu'une faiblesse. Le choix du genre héroïque-fantaisie a été motivé par toutes mes lectures et films préférés : Le Seigneur des Anneaux, Les Chroniques de </a:t>
             </a:r>
             <a:r>
               <a:rPr lang="fr-FR" sz="1600" dirty="0" err="1"/>
@@ -5544,7 +5570,7 @@
             </a:r>
             <a:r>
               <a:rPr lang="fr-FR" sz="1600" dirty="0"/>
-              <a:t>, La passe-miroir pour n'en citer que quelques-uns. </a:t>
+              <a:t>, La passe-miroir pour n'en citer que quelques-uns. Pour l’adaptation en court-métrage j’ai choisi un style 3D Disney/Pixar avec un passage en 2D inspiré des enluminures gothiques de l’époque médiévale pour rappeler le genre médiéval fantastique. </a:t>
             </a:r>
           </a:p>
           <a:p>
@@ -5555,7 +5581,7 @@
             <a:pPr algn="just"/>
             <a:r>
               <a:rPr lang="fr-FR" sz="1600" dirty="0"/>
-              <a:t>La relation entre les deux sœurs est le thème fondamental de l'histoire. Il me tient forcément à cœur parce que j'ai moi-même une sœur mais c'est également un thème auquel on peut facilement s'identifier et qui plaît au public comme le prouve les succès de la Reine des Neiges et Arcane. Les deux sœurs sont très fusionnelles au début de l'histoire. On peut noter d'ailleurs que les deux prénoms sont des anagrammes, illustrant la connexion forte qui existe entre elles. Les liens du sang, qu'on perçoit intuitivement comme indéfectibles, rentrent plus tard en conflit avec le destin représenté par l’intrigue. Tout l'enjeu est de savoir lequel des deux prévaudra. </a:t>
+              <a:t>Le thème de la relation fraternelle me tient forcément à cœur parce que j'ai moi-même une sœur mais c'est également un thème auquel on peut facilement s'identifier et qui plaît au public comme le prouve les succès de la Reine des Neiges et Arcane. Les deux sœurs sont très fusionnelles au début de l'histoire. On pourra noter d'ailleurs que les deux prénoms Celia et Alice sont des anagrammes, illustrant la connexion forte qui existe entre elles. Les liens du sang, qu'on perçoit intuitivement comme indéfectibles, rentrent plus tard en conflit avec le destin représenté par l’intrigue. Tout l'enjeu est de savoir lequel des deux prévaudra. </a:t>
             </a:r>
           </a:p>
           <a:p>
@@ -5566,12 +5592,8 @@
             <a:pPr algn="just"/>
             <a:r>
               <a:rPr lang="fr-FR" sz="1600" dirty="0"/>
-              <a:t>Le court-métrage s'inscrit comme l’une (voire la) premières scènes de l’histoire. On y retrouve les deux sœurs très jeunes et leur grand-mère. Le personnage de la grand-mère est </a:t>
-            </a:r>
-          </a:p>
-          <a:p>
-            <a:pPr algn="just"/>
-            <a:endParaRPr lang="fr-FR" sz="1600" dirty="0"/>
+              <a:t>Le court-métrage s'inscrit comme l’une des premières scènes de l’histoire. On y retrouve les deux sœurs très jeunes et leur grand-mère. Le personnage de la grand-mère est un personnage secondaire perçu comme un modèle par les deux enfants et correspond à plusieurs égards à une version féminine de l’archétype vieux sage : une figure plus âgée, sage et expérimentée qui guide les protagonistes. C’est grâce à l’héritage qu’elle partage à ses petites-filles que l’histoire peut se réaliser. </a:t>
+            </a:r>
           </a:p>
           <a:p>
             <a:pPr algn="just"/>
@@ -5667,7 +5689,7 @@
         <p:spPr>
           <a:xfrm>
             <a:off x="538480" y="1236910"/>
-            <a:ext cx="11054080" cy="2062103"/>
+            <a:ext cx="11054080" cy="2308324"/>
           </a:xfrm>
           <a:prstGeom prst="rect">
             <a:avLst/>
@@ -5687,17 +5709,28 @@
             </a:r>
           </a:p>
           <a:p>
+            <a:pPr indent="-893763" algn="just"/>
+            <a:r>
+              <a:rPr lang="fr-FR" sz="1600" dirty="0"/>
+              <a:t>- l’île de l’Est, qui comme son nom l’indique est une île à l’Est. C’est sur cette île que l’on retrouve les deux protagonistes au début de l’histoire et où se déroule le court-métrage</a:t>
+            </a:r>
+          </a:p>
+          <a:p>
+            <a:pPr indent="-893763" algn="just"/>
+            <a:endParaRPr lang="fr-FR" sz="1600" dirty="0"/>
+          </a:p>
+          <a:p>
+            <a:pPr indent="-893763" algn="just"/>
+            <a:r>
+              <a:rPr lang="fr-FR" sz="1600" dirty="0"/>
+              <a:t>- le continent sur lequel se trouve la capitale, siège du pouvoir. Le niveau de vie y est élevé et les habitants ont accès aux meilleurs services (santé, éducation etc…). A l’opposé de la capitale il y a une ville également bien développée, qui fait office de relais à la capitale. Pour voyager entre les deux on est contraint de contourner les montagnes qui se dressent au milieu du continent. Sur la bordure est du continent se trouve une imposante forêt.</a:t>
+            </a:r>
+          </a:p>
+          <a:p>
             <a:pPr algn="just"/>
             <a:r>
               <a:rPr lang="fr-FR" sz="1600" dirty="0"/>
-              <a:t>	- le continent sur lequel se trouve la capitale, siège du pouvoir politique. Le niveau de vie y est élevé et les habitants ont accès aux meilleurs services (santé, éducation etc…). A l’opposé de la capitale il y a une ville également bien développée, qui fait office de relais à la capitale. Pour voyager entre les deux on est contraint de contourner les montagnes qui se dressent au milieu du continent. Sur la bordure est du continent se trouve une imposante forêt.</a:t>
-            </a:r>
-          </a:p>
-          <a:p>
-            <a:pPr algn="just"/>
-            <a:r>
-              <a:rPr lang="fr-FR" sz="1600" dirty="0"/>
-              <a:t>	- une île située à côté du continent où l’on retrouve les deux protagonistes au début de l’histoire. A cause de son éloignement, le niveau de vie n’est pas aussi élevé que sur le continent mais les habitants ont quand même accès aux mêmes services qu’ailleurs et sont soumis à la même politique.</a:t>
+              <a:t>	</a:t>
             </a:r>
           </a:p>
         </p:txBody>
@@ -5716,10 +5749,10 @@
         </p:nvGrpSpPr>
         <p:grpSpPr>
           <a:xfrm>
-            <a:off x="4104640" y="4017447"/>
-            <a:ext cx="3606800" cy="1979295"/>
-            <a:chOff x="4053840" y="4667687"/>
-            <a:chExt cx="3606800" cy="1979295"/>
+            <a:off x="3411220" y="3558988"/>
+            <a:ext cx="5369560" cy="2762862"/>
+            <a:chOff x="4053840" y="4416306"/>
+            <a:chExt cx="4245421" cy="2230676"/>
           </a:xfrm>
         </p:grpSpPr>
         <p:sp>
@@ -5838,7 +5871,7 @@
           <p:spPr>
             <a:xfrm>
               <a:off x="7223760" y="5483662"/>
-              <a:ext cx="436880" cy="401320"/>
+              <a:ext cx="1013790" cy="401320"/>
             </a:xfrm>
             <a:prstGeom prst="roundRect">
               <a:avLst/>
@@ -5884,8 +5917,8 @@
           </p:nvSpPr>
           <p:spPr>
             <a:xfrm>
-              <a:off x="5214620" y="4667687"/>
-              <a:ext cx="1163320" cy="369332"/>
+              <a:off x="4554117" y="4416306"/>
+              <a:ext cx="1813663" cy="298191"/>
             </a:xfrm>
             <a:prstGeom prst="rect">
               <a:avLst/>
@@ -5900,7 +5933,7 @@
             <a:p>
               <a:r>
                 <a:rPr lang="fr-FR" dirty="0"/>
-                <a:t>Continent</a:t>
+                <a:t>Royaume de Clamart</a:t>
               </a:r>
             </a:p>
           </p:txBody>
@@ -5919,8 +5952,8 @@
           </p:nvSpPr>
           <p:spPr>
             <a:xfrm>
-              <a:off x="7223760" y="5483662"/>
-              <a:ext cx="436880" cy="369332"/>
+              <a:off x="7285471" y="5524885"/>
+              <a:ext cx="1013790" cy="298191"/>
             </a:xfrm>
             <a:prstGeom prst="rect">
               <a:avLst/>
@@ -5935,7 +5968,7 @@
             <a:p>
               <a:r>
                 <a:rPr lang="fr-FR" dirty="0"/>
-                <a:t>Ile</a:t>
+                <a:t>Ile de l’Est</a:t>
               </a:r>
             </a:p>
           </p:txBody>
@@ -6177,8 +6210,8 @@
         </p:nvSpPr>
         <p:spPr>
           <a:xfrm>
-            <a:off x="520700" y="1311761"/>
-            <a:ext cx="10767060" cy="4031873"/>
+            <a:off x="520700" y="1220321"/>
+            <a:ext cx="10767060" cy="5509200"/>
           </a:xfrm>
           <a:prstGeom prst="rect">
             <a:avLst/>
@@ -6192,34 +6225,41 @@
           <a:lstStyle/>
           <a:p>
             <a:pPr algn="just"/>
+            <a:r>
+              <a:rPr lang="fr-FR" sz="1600" dirty="0"/>
+              <a:t>Quasiment tous les pouvoirs sont détenus par les seigneurs et au-dessus il y a l’empereur (chef du pouvoir laïc) et le pasteur Suprême (chef du pouvoir spirituel). La religion est très présente dans le quotidien et les gens font très facilement appel à la croyance, l’au-delà et les personnages surnaturels. </a:t>
+            </a:r>
+          </a:p>
+          <a:p>
+            <a:pPr algn="just"/>
+            <a:r>
+              <a:rPr lang="fr-FR" sz="1600" dirty="0"/>
+              <a:t>A l’époque où se déroule l’histoire, la découverte de la magie est plutôt récente et celle-ci reste encore largement incomprise. Le clergé s’est rapidement approprié la magie et l’a intégrée aux textes sacrés pour pouvoir garder le contrôle. </a:t>
+            </a:r>
+          </a:p>
+          <a:p>
+            <a:pPr algn="just"/>
             <a:endParaRPr lang="fr-FR" sz="1600" dirty="0"/>
           </a:p>
           <a:p>
             <a:pPr algn="just"/>
             <a:r>
               <a:rPr lang="fr-FR" sz="1600" dirty="0"/>
-              <a:t>[Explications de la politique du pays]</a:t>
+              <a:t>La magie se dévoile comme un pouvoir propre à chaque personne et dépendant de la sensibilité de chacun. L'apprentissage de la magie commence à peine à se démocratiser (j’entends par là accessible aux populations plus éloignées de la capitale). La démocratisation se manifeste entre-autre par des cours de magie inclus dans tous les programmes d’éducation, l’objectif étant de détecter au plus tôt les forts potentiels.</a:t>
             </a:r>
           </a:p>
           <a:p>
             <a:pPr algn="just"/>
             <a:r>
               <a:rPr lang="fr-FR" sz="1600" dirty="0"/>
-              <a:t>La magie se dévoile comme un pouvoir propre à chaque personne et dépendant de la sensibilité de chacun. A l’époque où se déroule l’histoire, la découverte et  le consensus sur la magie sont plutôt récents et celle-ci reste encore largement incomprise. L'apprentissage de la magie commence à peine à se démocratiser (j’entends par là accessible aux populations plus éloignées de la capitale). La démocratisation se manifeste entre-autre par des cours de magie inclus dans tous les programmes d’éducation, l’objectif étant de détecter au plus tôt les forts potentiels.</a:t>
+              <a:t>Il est par ailleurs devenu officiellement accessible aux femmes, qui jusque-là avaient interdiction de pratiquer. Tous les dirigeants étant des hommes, il était jugé absurde et dangereux qu’une femme puisse maîtriser un pouvoir vu comme puissant et technique et donc « naturellement » masculin. La femme a pour fonction principale celle de femme au foyer et ses ambitions doivent être de se marier et de fonder une famille. Elle reste cependant indispensable dans certains domaines comme le textile et la santé, et il n'est pas rare de la retrouver dans l'agriculture ou le commerce. Peu importe le domaine d'activité, elle est toujours hiérarchiquement sous la responsabilité d'un homme.</a:t>
             </a:r>
           </a:p>
           <a:p>
             <a:pPr algn="just"/>
             <a:r>
               <a:rPr lang="fr-FR" sz="1600" dirty="0"/>
-              <a:t>Il est par ailleurs devenu officiellement accessible aux femmes, qui jusque-là avaient interdiction de pratiquer. Les dirigeants étant des hommes, il était jugé absurde que les femmes puissent maîtriser un pouvoir jugé puissant et technique et donc « naturellement » masculin. </a:t>
-            </a:r>
-          </a:p>
-          <a:p>
-            <a:pPr algn="just"/>
-            <a:r>
-              <a:rPr lang="fr-FR" sz="1600" dirty="0"/>
-              <a:t>Les protagonistes étant des femmes et vivant sur une île éloignée de la capitale, elles se retrouvent directement impactées par ces réformes, bien qu'au début de l'histoire elles soient trop jeunes pour en comprendre les enjeux. La société dans laquelle elles évoluent va rapidement faire face à des conflits sociaux et des conflits d'intérêts autour de ces fameux pouvoirs. Au-delà des questions socio-politiques qu'elle alimente, la magie sert de catalyseur pour l'intrigue car c'est la découverte de leur pouvoir qui déclenche le début de l'intrigue pour les deux personnages principaux Celia et Alice. </a:t>
+              <a:t>Les protagonistes se retrouvent directement impactées par ces réformes, bien qu'au début de l'histoire elles soient trop jeunes pour en comprendre les enjeux. La société dans laquelle elles évoluent va rapidement faire face à des conflits sociaux et des conflits d'intérêts autour de ces fameux pouvoirs. Au-delà des questions socio-politiques qu'elle alimente, la magie sert de catalyseur pour la narration car c'est la découverte de leur pouvoir qui déclenche le début de l'intrigue pour les deux personnages principaux Celia et Alice. </a:t>
             </a:r>
           </a:p>
           <a:p>
@@ -6315,7 +6355,7 @@
         </p:blipFill>
         <p:spPr>
           <a:xfrm>
-            <a:off x="300991" y="274637"/>
+            <a:off x="300989" y="221975"/>
             <a:ext cx="4510124" cy="3047683"/>
           </a:xfrm>
           <a:prstGeom prst="rect">
@@ -6345,7 +6385,7 @@
         </p:blipFill>
         <p:spPr>
           <a:xfrm>
-            <a:off x="262602" y="114848"/>
+            <a:off x="3667875" y="695630"/>
             <a:ext cx="5138830" cy="3544021"/>
           </a:xfrm>
           <a:prstGeom prst="rect">
@@ -6495,7 +6535,7 @@
         </p:blipFill>
         <p:spPr>
           <a:xfrm>
-            <a:off x="5437311" y="1313846"/>
+            <a:off x="7489631" y="1313846"/>
             <a:ext cx="6569184" cy="5094119"/>
           </a:xfrm>
           <a:prstGeom prst="rect">

--- a/01_WorkInProgress/01_PréProd/intention.pptx
+++ b/01_WorkInProgress/01_PréProd/intention.pptx
@@ -832,7 +832,7 @@
           <a:p>
             <a:fld id="{328E397A-6140-4675-A13A-3697C262D928}" type="datetimeFigureOut">
               <a:rPr lang="fr-FR" smtClean="0"/>
-              <a:t>27/01/2025</a:t>
+              <a:t>03/03/2025</a:t>
             </a:fld>
             <a:endParaRPr lang="fr-FR"/>
           </a:p>
@@ -1246,7 +1246,7 @@
           <a:p>
             <a:fld id="{FE90BDB7-AC3D-4A16-9F85-11D1161EAEF9}" type="datetimeFigureOut">
               <a:rPr lang="fr-FR" smtClean="0"/>
-              <a:t>27/01/2025</a:t>
+              <a:t>03/03/2025</a:t>
             </a:fld>
             <a:endParaRPr lang="fr-FR"/>
           </a:p>
@@ -1444,7 +1444,7 @@
           <a:p>
             <a:fld id="{FE90BDB7-AC3D-4A16-9F85-11D1161EAEF9}" type="datetimeFigureOut">
               <a:rPr lang="fr-FR" smtClean="0"/>
-              <a:t>27/01/2025</a:t>
+              <a:t>03/03/2025</a:t>
             </a:fld>
             <a:endParaRPr lang="fr-FR"/>
           </a:p>
@@ -1652,7 +1652,7 @@
           <a:p>
             <a:fld id="{FE90BDB7-AC3D-4A16-9F85-11D1161EAEF9}" type="datetimeFigureOut">
               <a:rPr lang="fr-FR" smtClean="0"/>
-              <a:t>27/01/2025</a:t>
+              <a:t>03/03/2025</a:t>
             </a:fld>
             <a:endParaRPr lang="fr-FR"/>
           </a:p>
@@ -1850,7 +1850,7 @@
           <a:p>
             <a:fld id="{FE90BDB7-AC3D-4A16-9F85-11D1161EAEF9}" type="datetimeFigureOut">
               <a:rPr lang="fr-FR" smtClean="0"/>
-              <a:t>27/01/2025</a:t>
+              <a:t>03/03/2025</a:t>
             </a:fld>
             <a:endParaRPr lang="fr-FR"/>
           </a:p>
@@ -2125,7 +2125,7 @@
           <a:p>
             <a:fld id="{FE90BDB7-AC3D-4A16-9F85-11D1161EAEF9}" type="datetimeFigureOut">
               <a:rPr lang="fr-FR" smtClean="0"/>
-              <a:t>27/01/2025</a:t>
+              <a:t>03/03/2025</a:t>
             </a:fld>
             <a:endParaRPr lang="fr-FR"/>
           </a:p>
@@ -2390,7 +2390,7 @@
           <a:p>
             <a:fld id="{FE90BDB7-AC3D-4A16-9F85-11D1161EAEF9}" type="datetimeFigureOut">
               <a:rPr lang="fr-FR" smtClean="0"/>
-              <a:t>27/01/2025</a:t>
+              <a:t>03/03/2025</a:t>
             </a:fld>
             <a:endParaRPr lang="fr-FR"/>
           </a:p>
@@ -2802,7 +2802,7 @@
           <a:p>
             <a:fld id="{FE90BDB7-AC3D-4A16-9F85-11D1161EAEF9}" type="datetimeFigureOut">
               <a:rPr lang="fr-FR" smtClean="0"/>
-              <a:t>27/01/2025</a:t>
+              <a:t>03/03/2025</a:t>
             </a:fld>
             <a:endParaRPr lang="fr-FR"/>
           </a:p>
@@ -2943,7 +2943,7 @@
           <a:p>
             <a:fld id="{FE90BDB7-AC3D-4A16-9F85-11D1161EAEF9}" type="datetimeFigureOut">
               <a:rPr lang="fr-FR" smtClean="0"/>
-              <a:t>27/01/2025</a:t>
+              <a:t>03/03/2025</a:t>
             </a:fld>
             <a:endParaRPr lang="fr-FR"/>
           </a:p>
@@ -3056,7 +3056,7 @@
           <a:p>
             <a:fld id="{FE90BDB7-AC3D-4A16-9F85-11D1161EAEF9}" type="datetimeFigureOut">
               <a:rPr lang="fr-FR" smtClean="0"/>
-              <a:t>27/01/2025</a:t>
+              <a:t>03/03/2025</a:t>
             </a:fld>
             <a:endParaRPr lang="fr-FR"/>
           </a:p>
@@ -3367,7 +3367,7 @@
           <a:p>
             <a:fld id="{FE90BDB7-AC3D-4A16-9F85-11D1161EAEF9}" type="datetimeFigureOut">
               <a:rPr lang="fr-FR" smtClean="0"/>
-              <a:t>27/01/2025</a:t>
+              <a:t>03/03/2025</a:t>
             </a:fld>
             <a:endParaRPr lang="fr-FR"/>
           </a:p>
@@ -3655,7 +3655,7 @@
           <a:p>
             <a:fld id="{FE90BDB7-AC3D-4A16-9F85-11D1161EAEF9}" type="datetimeFigureOut">
               <a:rPr lang="fr-FR" smtClean="0"/>
-              <a:t>27/01/2025</a:t>
+              <a:t>03/03/2025</a:t>
             </a:fld>
             <a:endParaRPr lang="fr-FR"/>
           </a:p>
@@ -3896,7 +3896,7 @@
           <a:p>
             <a:fld id="{FE90BDB7-AC3D-4A16-9F85-11D1161EAEF9}" type="datetimeFigureOut">
               <a:rPr lang="fr-FR" smtClean="0"/>
-              <a:t>27/01/2025</a:t>
+              <a:t>03/03/2025</a:t>
             </a:fld>
             <a:endParaRPr lang="fr-FR"/>
           </a:p>
@@ -4776,7 +4776,7 @@
             <a:pPr marL="0" lvl="7"/>
             <a:r>
               <a:rPr lang="fr-FR" dirty="0"/>
-              <a:t>	3D : Blender, Maya</a:t>
+              <a:t>	3D : Blender</a:t>
             </a:r>
           </a:p>
           <a:p>
@@ -4830,7 +4830,7 @@
             <a:pPr marL="0" lvl="7"/>
             <a:r>
               <a:rPr lang="fr-FR" dirty="0"/>
-              <a:t>Lien du court-métrage :</a:t>
+              <a:t>Lien de l’animatique :</a:t>
             </a:r>
           </a:p>
           <a:p>
@@ -5077,7 +5077,7 @@
         <p:spPr>
           <a:xfrm>
             <a:off x="492760" y="1262291"/>
-            <a:ext cx="11206480" cy="2554545"/>
+            <a:ext cx="11206480" cy="2062103"/>
           </a:xfrm>
           <a:prstGeom prst="rect">
             <a:avLst/>
@@ -5099,29 +5099,34 @@
           <a:p>
             <a:r>
               <a:rPr lang="fr-FR" dirty="0"/>
-              <a:t>Deux sœurs, Celia et Alice, âgées respectivement de 9 et 4 ans vivent avec leurs parents dans le village de XXX situé sur l’île de XXX. Leur père est charpentier et leur mère apothicaire et sont souvent occupés par leur travail. Les deux filles passent donc beaucoup de temps avec leur grand-mère Clotilde.</a:t>
-            </a:r>
-          </a:p>
-          <a:p>
+              <a:t>Deux sœurs, Celia et Alice, âgées respectivement de ? et ? ans vivent avec leurs parents dans un village situé sur </a:t>
+            </a:r>
+            <a:r>
+              <a:rPr lang="fr-FR" dirty="0" err="1"/>
+              <a:t>Estile</a:t>
+            </a:r>
             <a:r>
               <a:rPr lang="fr-FR" dirty="0"/>
-              <a:t>Alors qu’elle est venue garder les filles un soir chez elles, Clotilde se retrouve seule et pensive devant la cheminée. On peut apercevoir une boite en bois gravée posée sur le bord de la cheminée.</a:t>
+              <a:t>. Les deux filles passent beaucoup de temps avec leur grand-mère Clotilde. </a:t>
             </a:r>
           </a:p>
           <a:p>
             <a:r>
               <a:rPr lang="fr-FR" dirty="0"/>
-              <a:t>Celia, qui était à l’étage, a entendu sa grand-mère et accourt pour lui faire un câlin. Clotilde en profite alors pour récupérer la boite et la donner à Celia. Voyant le regard interrogateur de Celia, Clotilde lui fait signe de garder cela secret. </a:t>
+              <a:t>Alors qu’elles ne l’avaient pas vu depuis quelques jours, Clotilde est venue garder les filles un soir chez elles. On retrouve Clotilde seule et pensive devant la cheminée. On peut apercevoir une boite posée sur le bord de la cheminée à côté d’elle.</a:t>
             </a:r>
           </a:p>
           <a:p>
             <a:r>
               <a:rPr lang="fr-FR" dirty="0"/>
-              <a:t>Alors qu’un bruit se fait entendre près de porte, annonçant surement que quelqu’un est sur le point de rentrer, Clotilde fait signe à Celia de remonter dans sa chambre.</a:t>
-            </a:r>
-          </a:p>
-          <a:p>
-            <a:endParaRPr lang="fr-FR" dirty="0"/>
+              <a:t>Celia, qui était à l’étage, a entendu sa grand-mère et accourt pour lui faire un câlin. Après une longue embrassade, Clotilde se relève pour récupérer la boite et la donner à Celia. Voulant demander à sa grand-mère de quoi il s’agit, Clotilde lui fait signe de ne rien dire. Perplexe, Célia décide de remonter dans sa chambre avec la boîte.</a:t>
+            </a:r>
+          </a:p>
+          <a:p>
+            <a:r>
+              <a:rPr lang="fr-FR" dirty="0"/>
+              <a:t>Arrivée dans sa chambre, qu’elle partage avec sa sœur, elle décide de poser la boite sur le bureau. En la posant elle </a:t>
+            </a:r>
           </a:p>
         </p:txBody>
       </p:sp>
@@ -5169,8 +5174,8 @@
         </p:nvSpPr>
         <p:spPr>
           <a:xfrm>
-            <a:off x="508000" y="1996615"/>
-            <a:ext cx="5451366" cy="4190891"/>
+            <a:off x="507999" y="2658714"/>
+            <a:ext cx="5451366" cy="3749424"/>
           </a:xfrm>
           <a:prstGeom prst="rect">
             <a:avLst/>
@@ -5223,9 +5228,6 @@
           </a:p>
           <a:p>
             <a:pPr algn="just">
-              <a:lnSpc>
-                <a:spcPct val="107000"/>
-              </a:lnSpc>
               <a:spcAft>
                 <a:spcPts val="800"/>
               </a:spcAft>
@@ -5237,23 +5239,17 @@
           </a:p>
           <a:p>
             <a:pPr algn="just">
-              <a:lnSpc>
-                <a:spcPct val="107000"/>
-              </a:lnSpc>
               <a:spcAft>
                 <a:spcPts val="800"/>
               </a:spcAft>
             </a:pPr>
             <a:r>
               <a:rPr lang="fr-FR" sz="1600" dirty="0"/>
-              <a:t>On entend Celia descendre les escaliers en courant et elle se jette sur sa grand-mère pour lui faire un câlin.</a:t>
+              <a:t>On entend Celia arriver en courant et elle se jette sur sa grand-mère pour lui faire un câlin.</a:t>
             </a:r>
           </a:p>
           <a:p>
             <a:pPr algn="just">
-              <a:lnSpc>
-                <a:spcPct val="107000"/>
-              </a:lnSpc>
               <a:spcAft>
                 <a:spcPts val="800"/>
               </a:spcAft>
@@ -5265,23 +5261,17 @@
           </a:p>
           <a:p>
             <a:pPr algn="just">
-              <a:lnSpc>
-                <a:spcPct val="107000"/>
-              </a:lnSpc>
               <a:spcAft>
                 <a:spcPts val="800"/>
               </a:spcAft>
             </a:pPr>
             <a:r>
               <a:rPr lang="fr-FR" sz="1600" dirty="0"/>
-              <a:t>Celia veut lui poser des questions mais sa grand-mère lui fait signe de ne rien dire. On entend du bruit près de la porte et la grand-mère fait signe à Celia de remonter dans la chambre. </a:t>
+              <a:t>Celia veut lui poser des questions mais sa grand-mère lui fait signe de ne rien dire. Celia se retourne perplexe et repart.</a:t>
             </a:r>
           </a:p>
           <a:p>
             <a:pPr algn="just">
-              <a:lnSpc>
-                <a:spcPct val="107000"/>
-              </a:lnSpc>
               <a:spcAft>
                 <a:spcPts val="800"/>
               </a:spcAft>
@@ -5293,23 +5283,17 @@
           </a:p>
           <a:p>
             <a:pPr algn="just">
-              <a:lnSpc>
-                <a:spcPct val="107000"/>
-              </a:lnSpc>
               <a:spcAft>
                 <a:spcPts val="800"/>
               </a:spcAft>
             </a:pPr>
             <a:r>
               <a:rPr lang="fr-FR" sz="1600" dirty="0"/>
-              <a:t>Sa grand-mère lui sourit, lui fait un clin d’œil.</a:t>
+              <a:t>Sa grand-mère lui sourit et lui fait un clin d’œil.</a:t>
             </a:r>
           </a:p>
           <a:p>
             <a:pPr algn="just">
-              <a:lnSpc>
-                <a:spcPct val="107000"/>
-              </a:lnSpc>
               <a:spcAft>
                 <a:spcPts val="800"/>
               </a:spcAft>
@@ -5335,7 +5319,7 @@
         </p:nvSpPr>
         <p:spPr>
           <a:xfrm>
-            <a:off x="508000" y="1211657"/>
+            <a:off x="508000" y="208829"/>
             <a:ext cx="4053840" cy="461665"/>
           </a:xfrm>
           <a:prstGeom prst="rect">
@@ -5370,8 +5354,8 @@
         </p:nvSpPr>
         <p:spPr>
           <a:xfrm>
-            <a:off x="6232636" y="1268889"/>
-            <a:ext cx="5451364" cy="4088299"/>
+            <a:off x="6232637" y="1185207"/>
+            <a:ext cx="5451364" cy="4821833"/>
           </a:xfrm>
           <a:prstGeom prst="rect">
             <a:avLst/>
@@ -5385,9 +5369,6 @@
           <a:lstStyle/>
           <a:p>
             <a:pPr algn="just">
-              <a:lnSpc>
-                <a:spcPct val="107000"/>
-              </a:lnSpc>
               <a:spcAft>
                 <a:spcPts val="800"/>
               </a:spcAft>
@@ -5401,9 +5382,6 @@
           </a:p>
           <a:p>
             <a:pPr algn="just">
-              <a:lnSpc>
-                <a:spcPct val="107000"/>
-              </a:lnSpc>
               <a:spcAft>
                 <a:spcPts val="800"/>
               </a:spcAft>
@@ -5415,9 +5393,6 @@
           </a:p>
           <a:p>
             <a:pPr algn="just">
-              <a:lnSpc>
-                <a:spcPct val="107000"/>
-              </a:lnSpc>
               <a:spcAft>
                 <a:spcPts val="800"/>
               </a:spcAft>
@@ -5429,9 +5404,6 @@
           </a:p>
           <a:p>
             <a:pPr algn="just">
-              <a:lnSpc>
-                <a:spcPct val="107000"/>
-              </a:lnSpc>
               <a:spcAft>
                 <a:spcPts val="800"/>
               </a:spcAft>
@@ -5443,9 +5415,6 @@
           </a:p>
           <a:p>
             <a:pPr algn="just">
-              <a:lnSpc>
-                <a:spcPct val="107000"/>
-              </a:lnSpc>
               <a:spcAft>
                 <a:spcPts val="800"/>
               </a:spcAft>
@@ -5457,9 +5426,6 @@
           </a:p>
           <a:p>
             <a:pPr algn="just">
-              <a:lnSpc>
-                <a:spcPct val="107000"/>
-              </a:lnSpc>
               <a:spcAft>
                 <a:spcPts val="800"/>
               </a:spcAft>
@@ -5471,16 +5437,128 @@
           </a:p>
           <a:p>
             <a:pPr algn="just">
-              <a:lnSpc>
-                <a:spcPct val="107000"/>
-              </a:lnSpc>
               <a:spcAft>
                 <a:spcPts val="800"/>
               </a:spcAft>
             </a:pPr>
             <a:r>
               <a:rPr lang="fr-FR" sz="1600" dirty="0"/>
-              <a:t>La vision est terminée, les deux sœurs ferment leurs yeux et tombent par terre.</a:t>
+              <a:t>La vision est terminée, les filles lâchent le bracelet qui tombe par terre et s’éteint.</a:t>
+            </a:r>
+          </a:p>
+          <a:p>
+            <a:pPr algn="just">
+              <a:spcAft>
+                <a:spcPts val="800"/>
+              </a:spcAft>
+            </a:pPr>
+            <a:r>
+              <a:rPr lang="fr-FR" sz="1600" dirty="0"/>
+              <a:t>La magie s’imprègne dans les deux sœurs, qui se regardent surprises.</a:t>
+            </a:r>
+          </a:p>
+          <a:p>
+            <a:pPr algn="just">
+              <a:spcAft>
+                <a:spcPts val="800"/>
+              </a:spcAft>
+            </a:pPr>
+            <a:r>
+              <a:rPr lang="fr-FR" sz="1600" dirty="0"/>
+              <a:t>On distingue dans le pupille un éclair de magie.</a:t>
+            </a:r>
+          </a:p>
+        </p:txBody>
+      </p:sp>
+      <p:sp>
+        <p:nvSpPr>
+          <p:cNvPr id="2" name="ZoneTexte 1">
+            <a:extLst>
+              <a:ext uri="{FF2B5EF4-FFF2-40B4-BE49-F238E27FC236}">
+                <a16:creationId xmlns:a16="http://schemas.microsoft.com/office/drawing/2014/main" id="{FEF5E643-E2B3-6A7B-07C7-3B9D923DE00B}"/>
+              </a:ext>
+            </a:extLst>
+          </p:cNvPr>
+          <p:cNvSpPr txBox="1"/>
+          <p:nvPr/>
+        </p:nvSpPr>
+        <p:spPr>
+          <a:xfrm>
+            <a:off x="507999" y="791192"/>
+            <a:ext cx="5451366" cy="1846659"/>
+          </a:xfrm>
+          <a:prstGeom prst="rect">
+            <a:avLst/>
+          </a:prstGeom>
+          <a:noFill/>
+        </p:spPr>
+        <p:txBody>
+          <a:bodyPr wrap="square">
+            <a:spAutoFit/>
+          </a:bodyPr>
+          <a:lstStyle/>
+          <a:p>
+            <a:pPr algn="just">
+              <a:spcAft>
+                <a:spcPts val="800"/>
+              </a:spcAft>
+            </a:pPr>
+            <a:r>
+              <a:rPr lang="fr-FR" sz="1400" b="1" kern="100" dirty="0">
+                <a:effectLst/>
+                <a:ea typeface="Aptos" panose="020B0004020202020204" pitchFamily="34" charset="0"/>
+                <a:cs typeface="Times New Roman" panose="02020603050405020304" pitchFamily="18" charset="0"/>
+              </a:rPr>
+              <a:t>Scène </a:t>
+            </a:r>
+            <a:r>
+              <a:rPr lang="fr-FR" sz="1400" b="1" kern="100" dirty="0" err="1">
+                <a:effectLst/>
+                <a:ea typeface="Aptos" panose="020B0004020202020204" pitchFamily="34" charset="0"/>
+                <a:cs typeface="Times New Roman" panose="02020603050405020304" pitchFamily="18" charset="0"/>
+              </a:rPr>
+              <a:t>ext</a:t>
+            </a:r>
+            <a:r>
+              <a:rPr lang="fr-FR" sz="1400" b="1" kern="100" dirty="0">
+                <a:effectLst/>
+                <a:ea typeface="Aptos" panose="020B0004020202020204" pitchFamily="34" charset="0"/>
+                <a:cs typeface="Times New Roman" panose="02020603050405020304" pitchFamily="18" charset="0"/>
+              </a:rPr>
+              <a:t> – Extérieur de la maison</a:t>
+            </a:r>
+          </a:p>
+          <a:p>
+            <a:pPr algn="just">
+              <a:spcAft>
+                <a:spcPts val="800"/>
+              </a:spcAft>
+            </a:pPr>
+            <a:r>
+              <a:rPr lang="fr-FR" sz="1600" dirty="0"/>
+              <a:t>En forêt de nuit, une chouette est posée dans un arbre. On aperçoit une maison au loin.</a:t>
+            </a:r>
+          </a:p>
+          <a:p>
+            <a:pPr algn="just">
+              <a:spcAft>
+                <a:spcPts val="800"/>
+              </a:spcAft>
+            </a:pPr>
+            <a:r>
+              <a:rPr lang="fr-FR" sz="1600" dirty="0"/>
+              <a:t>La chouette s’envole vers la maison</a:t>
+            </a:r>
+          </a:p>
+          <a:p>
+            <a:pPr algn="just">
+              <a:spcAft>
+                <a:spcPts val="800"/>
+              </a:spcAft>
+            </a:pPr>
+            <a:r>
+              <a:rPr lang="fr-FR" sz="1600" dirty="0"/>
+              <a:t>La chouette se pose sur une fenêtre de la maison, on distingue une silhouette derrière la vitre.</a:t>
             </a:r>
           </a:p>
         </p:txBody>
@@ -5529,7 +5607,7 @@
         </p:nvSpPr>
         <p:spPr>
           <a:xfrm>
-            <a:off x="548640" y="1307088"/>
+            <a:off x="548640" y="1246128"/>
             <a:ext cx="10876105" cy="5324535"/>
           </a:xfrm>
           <a:prstGeom prst="rect">
@@ -5592,7 +5670,7 @@
             <a:pPr algn="just"/>
             <a:r>
               <a:rPr lang="fr-FR" sz="1600" dirty="0"/>
-              <a:t>Le court-métrage s'inscrit comme l’une des premières scènes de l’histoire. On y retrouve les deux sœurs très jeunes et leur grand-mère. Le personnage de la grand-mère est un personnage secondaire perçu comme un modèle par les deux enfants et correspond à plusieurs égards à une version féminine de l’archétype vieux sage : une figure plus âgée, sage et expérimentée qui guide les protagonistes. C’est grâce à l’héritage qu’elle partage à ses petites-filles que l’histoire peut se réaliser. </a:t>
+              <a:t>Le court-métrage s'inscrit comme l’une des premières scènes de l’histoire. On y retrouve les deux sœurs très jeunes et leur grand-mère. Le personnage de la grand-mère, qui est ici un personnage secondaire, est perçu comme un modèle par les deux enfants et correspond à plusieurs égards à une version féminine de l’archétype du vieux sage : une figure plus âgée, sage et expérimentée qui guide les protagonistes. C’est grâce à l’héritage qu’elle partage à ses petites-filles que l’histoire va se réaliser. </a:t>
             </a:r>
           </a:p>
           <a:p>
@@ -5712,7 +5790,15 @@
             <a:pPr indent="-893763" algn="just"/>
             <a:r>
               <a:rPr lang="fr-FR" sz="1600" dirty="0"/>
-              <a:t>- l’île de l’Est, qui comme son nom l’indique est une île à l’Est. C’est sur cette île que l’on retrouve les deux protagonistes au début de l’histoire et où se déroule le court-métrage</a:t>
+              <a:t>- </a:t>
+            </a:r>
+            <a:r>
+              <a:rPr lang="fr-FR" sz="1600" dirty="0" err="1"/>
+              <a:t>Estile</a:t>
+            </a:r>
+            <a:r>
+              <a:rPr lang="fr-FR" sz="1600" dirty="0"/>
+              <a:t>, qui comme son nom l’indique est une île à l’Est. C’est sur cette île que l’on retrouve les deux protagonistes au début de l’histoire et où se déroule le court-métrage</a:t>
             </a:r>
           </a:p>
           <a:p>
@@ -5750,9 +5836,9 @@
         <p:grpSpPr>
           <a:xfrm>
             <a:off x="3411220" y="3558988"/>
-            <a:ext cx="5369560" cy="2762862"/>
+            <a:ext cx="4815631" cy="2762862"/>
             <a:chOff x="4053840" y="4416306"/>
-            <a:chExt cx="4245421" cy="2230676"/>
+            <a:chExt cx="3807460" cy="2230676"/>
           </a:xfrm>
         </p:grpSpPr>
         <p:sp>
@@ -5871,7 +5957,7 @@
           <p:spPr>
             <a:xfrm>
               <a:off x="7223760" y="5483662"/>
-              <a:ext cx="1013790" cy="401320"/>
+              <a:ext cx="637540" cy="401320"/>
             </a:xfrm>
             <a:prstGeom prst="roundRect">
               <a:avLst/>
@@ -5952,8 +6038,8 @@
           </p:nvSpPr>
           <p:spPr>
             <a:xfrm>
-              <a:off x="7285471" y="5524885"/>
-              <a:ext cx="1013790" cy="298191"/>
+              <a:off x="7285470" y="5540942"/>
+              <a:ext cx="575830" cy="298191"/>
             </a:xfrm>
             <a:prstGeom prst="rect">
               <a:avLst/>
@@ -5967,9 +6053,10 @@
             <a:lstStyle/>
             <a:p>
               <a:r>
-                <a:rPr lang="fr-FR" dirty="0"/>
-                <a:t>Ile de l’Est</a:t>
+                <a:rPr lang="fr-FR" dirty="0" err="1"/>
+                <a:t>Estile</a:t>
               </a:r>
+              <a:endParaRPr lang="fr-FR" dirty="0"/>
             </a:p>
           </p:txBody>
         </p:sp>
@@ -6039,7 +6126,7 @@
           </p:nvSpPr>
           <p:spPr>
             <a:xfrm>
-              <a:off x="5707380" y="6158389"/>
+              <a:off x="5707381" y="6146840"/>
               <a:ext cx="660400" cy="369332"/>
             </a:xfrm>
             <a:prstGeom prst="roundRect">
@@ -6210,7 +6297,7 @@
         </p:nvSpPr>
         <p:spPr>
           <a:xfrm>
-            <a:off x="520700" y="1220321"/>
+            <a:off x="520700" y="1120608"/>
             <a:ext cx="10767060" cy="5509200"/>
           </a:xfrm>
           <a:prstGeom prst="rect">
